--- a/ref.pptx
+++ b/ref.pptx
@@ -272,7 +272,7 @@
           <a:p>
             <a:fld id="{283A7829-2E26-4D96-B78C-4F14A9C51D3D}" type="datetimeFigureOut">
               <a:rPr kumimoji="1" lang="ja-JP" altLang="en-US" smtClean="0"/>
-              <a:t>2026/2/12</a:t>
+              <a:t>2026/2/24</a:t>
             </a:fld>
             <a:endParaRPr kumimoji="1" lang="ja-JP" altLang="en-US"/>
           </a:p>
@@ -518,7 +518,7 @@
           <a:p>
             <a:fld id="{283A7829-2E26-4D96-B78C-4F14A9C51D3D}" type="datetimeFigureOut">
               <a:rPr kumimoji="1" lang="ja-JP" altLang="en-US" smtClean="0"/>
-              <a:t>2026/2/12</a:t>
+              <a:t>2026/2/24</a:t>
             </a:fld>
             <a:endParaRPr kumimoji="1" lang="ja-JP" altLang="en-US"/>
           </a:p>
@@ -758,7 +758,7 @@
           <a:p>
             <a:fld id="{283A7829-2E26-4D96-B78C-4F14A9C51D3D}" type="datetimeFigureOut">
               <a:rPr kumimoji="1" lang="ja-JP" altLang="en-US" smtClean="0"/>
-              <a:t>2026/2/12</a:t>
+              <a:t>2026/2/24</a:t>
             </a:fld>
             <a:endParaRPr kumimoji="1" lang="ja-JP" altLang="en-US"/>
           </a:p>
@@ -899,7 +899,7 @@
           <a:p>
             <a:fld id="{283A7829-2E26-4D96-B78C-4F14A9C51D3D}" type="datetimeFigureOut">
               <a:rPr kumimoji="1" lang="ja-JP" altLang="en-US" smtClean="0"/>
-              <a:t>2026/2/12</a:t>
+              <a:t>2026/2/24</a:t>
             </a:fld>
             <a:endParaRPr kumimoji="1" lang="ja-JP" altLang="en-US"/>
           </a:p>
@@ -1748,7 +1748,7 @@
           <a:p>
             <a:fld id="{283A7829-2E26-4D96-B78C-4F14A9C51D3D}" type="datetimeFigureOut">
               <a:rPr kumimoji="1" lang="ja-JP" altLang="en-US" smtClean="0"/>
-              <a:t>2026/2/12</a:t>
+              <a:t>2026/2/24</a:t>
             </a:fld>
             <a:endParaRPr kumimoji="1" lang="ja-JP" altLang="en-US"/>
           </a:p>
@@ -1827,7 +1827,7 @@
         <p:spPr>
           <a:xfrm>
             <a:off x="838200" y="1825625"/>
-            <a:ext cx="10515600" cy="2213638"/>
+            <a:ext cx="5119977" cy="4479000"/>
           </a:xfrm>
         </p:spPr>
         <p:txBody>
@@ -1920,8 +1920,8 @@
         </p:nvSpPr>
         <p:spPr>
           <a:xfrm>
-            <a:off x="838200" y="4090987"/>
-            <a:ext cx="10515600" cy="2213638"/>
+            <a:off x="6233822" y="1825626"/>
+            <a:ext cx="5119977" cy="4479000"/>
           </a:xfrm>
         </p:spPr>
         <p:txBody>
@@ -2000,6 +2000,271 @@
     <p:extLst>
       <p:ext uri="{BB962C8B-B14F-4D97-AF65-F5344CB8AC3E}">
         <p14:creationId xmlns:p14="http://schemas.microsoft.com/office/powerpoint/2010/main" val="1743146457"/>
+      </p:ext>
+    </p:extLst>
+  </p:cSld>
+  <p:clrMapOvr>
+    <a:masterClrMapping/>
+  </p:clrMapOvr>
+</p:sldLayout>
+</file>
+
+<file path=ppt/slideLayouts/slideLayout14.xml><?xml version="1.0" encoding="utf-8"?>
+<p:sldLayout xmlns:a="http://schemas.openxmlformats.org/drawingml/2006/main" xmlns:r="http://schemas.openxmlformats.org/officeDocument/2006/relationships" xmlns:p="http://schemas.openxmlformats.org/presentationml/2006/main" preserve="1" userDrawn="1">
+  <p:cSld name="sample03">
+    <p:spTree>
+      <p:nvGrpSpPr>
+        <p:cNvPr id="1" name=""/>
+        <p:cNvGrpSpPr/>
+        <p:nvPr/>
+      </p:nvGrpSpPr>
+      <p:grpSpPr>
+        <a:xfrm>
+          <a:off x="0" y="0"/>
+          <a:ext cx="0" cy="0"/>
+          <a:chOff x="0" y="0"/>
+          <a:chExt cx="0" cy="0"/>
+        </a:xfrm>
+      </p:grpSpPr>
+      <p:sp>
+        <p:nvSpPr>
+          <p:cNvPr id="2" name="タイトル 1">
+            <a:extLst>
+              <a:ext uri="{FF2B5EF4-FFF2-40B4-BE49-F238E27FC236}">
+                <a16:creationId xmlns:a16="http://schemas.microsoft.com/office/drawing/2014/main" id="{0612C38A-38F0-9D64-7A56-21B112040673}"/>
+              </a:ext>
+            </a:extLst>
+          </p:cNvPr>
+          <p:cNvSpPr>
+            <a:spLocks noGrp="1"/>
+          </p:cNvSpPr>
+          <p:nvPr>
+            <p:ph type="title"/>
+          </p:nvPr>
+        </p:nvSpPr>
+        <p:spPr/>
+        <p:txBody>
+          <a:bodyPr/>
+          <a:lstStyle/>
+          <a:p>
+            <a:r>
+              <a:rPr kumimoji="1" lang="ja-JP" altLang="en-US"/>
+              <a:t>マスター タイトルの書式設定</a:t>
+            </a:r>
+          </a:p>
+        </p:txBody>
+      </p:sp>
+      <p:sp>
+        <p:nvSpPr>
+          <p:cNvPr id="3" name="日付プレースホルダー 2">
+            <a:extLst>
+              <a:ext uri="{FF2B5EF4-FFF2-40B4-BE49-F238E27FC236}">
+                <a16:creationId xmlns:a16="http://schemas.microsoft.com/office/drawing/2014/main" id="{9E0288AB-FA73-7554-F7CC-807D792904F9}"/>
+              </a:ext>
+            </a:extLst>
+          </p:cNvPr>
+          <p:cNvSpPr>
+            <a:spLocks noGrp="1"/>
+          </p:cNvSpPr>
+          <p:nvPr>
+            <p:ph type="dt" sz="half" idx="10"/>
+          </p:nvPr>
+        </p:nvSpPr>
+        <p:spPr/>
+        <p:txBody>
+          <a:bodyPr/>
+          <a:lstStyle/>
+          <a:p>
+            <a:fld id="{283A7829-2E26-4D96-B78C-4F14A9C51D3D}" type="datetimeFigureOut">
+              <a:rPr kumimoji="1" lang="ja-JP" altLang="en-US" smtClean="0"/>
+              <a:t>2026/2/24</a:t>
+            </a:fld>
+            <a:endParaRPr kumimoji="1" lang="ja-JP" altLang="en-US"/>
+          </a:p>
+        </p:txBody>
+      </p:sp>
+      <p:sp>
+        <p:nvSpPr>
+          <p:cNvPr id="4" name="フッター プレースホルダー 3">
+            <a:extLst>
+              <a:ext uri="{FF2B5EF4-FFF2-40B4-BE49-F238E27FC236}">
+                <a16:creationId xmlns:a16="http://schemas.microsoft.com/office/drawing/2014/main" id="{1E51FDAD-EA77-FA43-3F9A-2017D3E0BD8F}"/>
+              </a:ext>
+            </a:extLst>
+          </p:cNvPr>
+          <p:cNvSpPr>
+            <a:spLocks noGrp="1"/>
+          </p:cNvSpPr>
+          <p:nvPr>
+            <p:ph type="ftr" sz="quarter" idx="11"/>
+          </p:nvPr>
+        </p:nvSpPr>
+        <p:spPr/>
+        <p:txBody>
+          <a:bodyPr/>
+          <a:lstStyle/>
+          <a:p>
+            <a:endParaRPr kumimoji="1" lang="ja-JP" altLang="en-US"/>
+          </a:p>
+        </p:txBody>
+      </p:sp>
+      <p:sp>
+        <p:nvSpPr>
+          <p:cNvPr id="5" name="スライド番号プレースホルダー 4">
+            <a:extLst>
+              <a:ext uri="{FF2B5EF4-FFF2-40B4-BE49-F238E27FC236}">
+                <a16:creationId xmlns:a16="http://schemas.microsoft.com/office/drawing/2014/main" id="{7D0AF597-10F0-4AAA-BFAA-96ADB9EC336E}"/>
+              </a:ext>
+            </a:extLst>
+          </p:cNvPr>
+          <p:cNvSpPr>
+            <a:spLocks noGrp="1"/>
+          </p:cNvSpPr>
+          <p:nvPr>
+            <p:ph type="sldNum" sz="quarter" idx="12"/>
+          </p:nvPr>
+        </p:nvSpPr>
+        <p:spPr/>
+        <p:txBody>
+          <a:bodyPr/>
+          <a:lstStyle/>
+          <a:p>
+            <a:fld id="{8A580D5E-5CE3-4690-8FEA-8F67D588155B}" type="slidenum">
+              <a:rPr kumimoji="1" lang="ja-JP" altLang="en-US" smtClean="0"/>
+              <a:t>‹#›</a:t>
+            </a:fld>
+            <a:endParaRPr kumimoji="1" lang="ja-JP" altLang="en-US"/>
+          </a:p>
+        </p:txBody>
+      </p:sp>
+      <p:sp>
+        <p:nvSpPr>
+          <p:cNvPr id="8" name="table01">
+            <a:extLst>
+              <a:ext uri="{FF2B5EF4-FFF2-40B4-BE49-F238E27FC236}">
+                <a16:creationId xmlns:a16="http://schemas.microsoft.com/office/drawing/2014/main" id="{A76139B6-23F8-DA1B-C97A-037DFD5C4D29}"/>
+              </a:ext>
+            </a:extLst>
+          </p:cNvPr>
+          <p:cNvSpPr>
+            <a:spLocks noGrp="1"/>
+          </p:cNvSpPr>
+          <p:nvPr>
+            <p:ph type="tbl" sz="quarter" idx="13"/>
+          </p:nvPr>
+        </p:nvSpPr>
+        <p:spPr>
+          <a:xfrm>
+            <a:off x="838200" y="1911350"/>
+            <a:ext cx="10515600" cy="3306763"/>
+          </a:xfrm>
+        </p:spPr>
+        <p:txBody>
+          <a:bodyPr/>
+          <a:lstStyle/>
+          <a:p>
+            <a:endParaRPr kumimoji="1" lang="ja-JP" altLang="en-US"/>
+          </a:p>
+        </p:txBody>
+      </p:sp>
+      <p:sp>
+        <p:nvSpPr>
+          <p:cNvPr id="9" name="holder01">
+            <a:extLst>
+              <a:ext uri="{FF2B5EF4-FFF2-40B4-BE49-F238E27FC236}">
+                <a16:creationId xmlns:a16="http://schemas.microsoft.com/office/drawing/2014/main" id="{2B0B61DC-E078-9E66-369C-B42799AA2AC0}"/>
+              </a:ext>
+            </a:extLst>
+          </p:cNvPr>
+          <p:cNvSpPr>
+            <a:spLocks noGrp="1"/>
+          </p:cNvSpPr>
+          <p:nvPr>
+            <p:ph type="body" sz="quarter" idx="14"/>
+          </p:nvPr>
+        </p:nvSpPr>
+        <p:spPr>
+          <a:xfrm>
+            <a:off x="838200" y="5287963"/>
+            <a:ext cx="10515600" cy="1001712"/>
+          </a:xfrm>
+        </p:spPr>
+        <p:txBody>
+          <a:bodyPr/>
+          <a:lstStyle/>
+          <a:p>
+            <a:pPr lvl="0"/>
+            <a:r>
+              <a:rPr kumimoji="1" lang="ja-JP" altLang="en-US"/>
+              <a:t>マスター テキストの書式設定</a:t>
+            </a:r>
+          </a:p>
+          <a:p>
+            <a:pPr lvl="1"/>
+            <a:r>
+              <a:rPr kumimoji="1" lang="ja-JP" altLang="en-US"/>
+              <a:t>第 </a:t>
+            </a:r>
+            <a:r>
+              <a:rPr kumimoji="1" lang="en-US" altLang="ja-JP"/>
+              <a:t>2 </a:t>
+            </a:r>
+            <a:r>
+              <a:rPr kumimoji="1" lang="ja-JP" altLang="en-US"/>
+              <a:t>レベル</a:t>
+            </a:r>
+          </a:p>
+          <a:p>
+            <a:pPr lvl="2"/>
+            <a:r>
+              <a:rPr kumimoji="1" lang="ja-JP" altLang="en-US"/>
+              <a:t>第 </a:t>
+            </a:r>
+            <a:r>
+              <a:rPr kumimoji="1" lang="en-US" altLang="ja-JP"/>
+              <a:t>3 </a:t>
+            </a:r>
+            <a:r>
+              <a:rPr kumimoji="1" lang="ja-JP" altLang="en-US"/>
+              <a:t>レベル</a:t>
+            </a:r>
+          </a:p>
+          <a:p>
+            <a:pPr lvl="3"/>
+            <a:r>
+              <a:rPr kumimoji="1" lang="ja-JP" altLang="en-US"/>
+              <a:t>第 </a:t>
+            </a:r>
+            <a:r>
+              <a:rPr kumimoji="1" lang="en-US" altLang="ja-JP"/>
+              <a:t>4 </a:t>
+            </a:r>
+            <a:r>
+              <a:rPr kumimoji="1" lang="ja-JP" altLang="en-US"/>
+              <a:t>レベル</a:t>
+            </a:r>
+          </a:p>
+          <a:p>
+            <a:pPr lvl="4"/>
+            <a:r>
+              <a:rPr kumimoji="1" lang="ja-JP" altLang="en-US"/>
+              <a:t>第 </a:t>
+            </a:r>
+            <a:r>
+              <a:rPr kumimoji="1" lang="en-US" altLang="ja-JP"/>
+              <a:t>5 </a:t>
+            </a:r>
+            <a:r>
+              <a:rPr kumimoji="1" lang="ja-JP" altLang="en-US"/>
+              <a:t>レベル</a:t>
+            </a:r>
+          </a:p>
+        </p:txBody>
+      </p:sp>
+    </p:spTree>
+    <p:extLst>
+      <p:ext uri="{BB962C8B-B14F-4D97-AF65-F5344CB8AC3E}">
+        <p14:creationId xmlns:p14="http://schemas.microsoft.com/office/powerpoint/2010/main" val="2590712133"/>
       </p:ext>
     </p:extLst>
   </p:cSld>
@@ -2213,7 +2478,7 @@
           <a:p>
             <a:fld id="{283A7829-2E26-4D96-B78C-4F14A9C51D3D}" type="datetimeFigureOut">
               <a:rPr kumimoji="1" lang="ja-JP" altLang="en-US" smtClean="0"/>
-              <a:t>2026/2/12</a:t>
+              <a:t>2026/2/24</a:t>
             </a:fld>
             <a:endParaRPr kumimoji="1" lang="ja-JP" altLang="en-US"/>
           </a:p>
@@ -2443,7 +2708,7 @@
           <a:p>
             <a:fld id="{283A7829-2E26-4D96-B78C-4F14A9C51D3D}" type="datetimeFigureOut">
               <a:rPr kumimoji="1" lang="ja-JP" altLang="en-US" smtClean="0"/>
-              <a:t>2026/2/12</a:t>
+              <a:t>2026/2/24</a:t>
             </a:fld>
             <a:endParaRPr kumimoji="1" lang="ja-JP" altLang="en-US"/>
           </a:p>
@@ -2772,7 +3037,7 @@
           <a:p>
             <a:fld id="{283A7829-2E26-4D96-B78C-4F14A9C51D3D}" type="datetimeFigureOut">
               <a:rPr kumimoji="1" lang="ja-JP" altLang="en-US" smtClean="0"/>
-              <a:t>2026/2/12</a:t>
+              <a:t>2026/2/24</a:t>
             </a:fld>
             <a:endParaRPr kumimoji="1" lang="ja-JP" altLang="en-US"/>
           </a:p>
@@ -3248,7 +3513,7 @@
           <a:p>
             <a:fld id="{283A7829-2E26-4D96-B78C-4F14A9C51D3D}" type="datetimeFigureOut">
               <a:rPr kumimoji="1" lang="ja-JP" altLang="en-US" smtClean="0"/>
-              <a:t>2026/2/12</a:t>
+              <a:t>2026/2/24</a:t>
             </a:fld>
             <a:endParaRPr kumimoji="1" lang="ja-JP" altLang="en-US"/>
           </a:p>
@@ -3389,7 +3654,7 @@
           <a:p>
             <a:fld id="{283A7829-2E26-4D96-B78C-4F14A9C51D3D}" type="datetimeFigureOut">
               <a:rPr kumimoji="1" lang="ja-JP" altLang="en-US" smtClean="0"/>
-              <a:t>2026/2/12</a:t>
+              <a:t>2026/2/24</a:t>
             </a:fld>
             <a:endParaRPr kumimoji="1" lang="ja-JP" altLang="en-US"/>
           </a:p>
@@ -3502,7 +3767,7 @@
           <a:p>
             <a:fld id="{283A7829-2E26-4D96-B78C-4F14A9C51D3D}" type="datetimeFigureOut">
               <a:rPr kumimoji="1" lang="ja-JP" altLang="en-US" smtClean="0"/>
-              <a:t>2026/2/12</a:t>
+              <a:t>2026/2/24</a:t>
             </a:fld>
             <a:endParaRPr kumimoji="1" lang="ja-JP" altLang="en-US"/>
           </a:p>
@@ -3845,7 +4110,7 @@
           <a:p>
             <a:fld id="{283A7829-2E26-4D96-B78C-4F14A9C51D3D}" type="datetimeFigureOut">
               <a:rPr kumimoji="1" lang="ja-JP" altLang="en-US" smtClean="0"/>
-              <a:t>2026/2/12</a:t>
+              <a:t>2026/2/24</a:t>
             </a:fld>
             <a:endParaRPr kumimoji="1" lang="ja-JP" altLang="en-US"/>
           </a:p>
@@ -4133,7 +4398,7 @@
           <a:p>
             <a:fld id="{283A7829-2E26-4D96-B78C-4F14A9C51D3D}" type="datetimeFigureOut">
               <a:rPr kumimoji="1" lang="ja-JP" altLang="en-US" smtClean="0"/>
-              <a:t>2026/2/12</a:t>
+              <a:t>2026/2/24</a:t>
             </a:fld>
             <a:endParaRPr kumimoji="1" lang="ja-JP" altLang="en-US"/>
           </a:p>
@@ -4406,7 +4671,7 @@
           <a:p>
             <a:fld id="{283A7829-2E26-4D96-B78C-4F14A9C51D3D}" type="datetimeFigureOut">
               <a:rPr kumimoji="1" lang="ja-JP" altLang="en-US" smtClean="0"/>
-              <a:t>2026/2/12</a:t>
+              <a:t>2026/2/24</a:t>
             </a:fld>
             <a:endParaRPr kumimoji="1" lang="ja-JP" altLang="en-US"/>
           </a:p>
@@ -4524,6 +4789,7 @@
     <p:sldLayoutId id="2147483659" r:id="rId11"/>
     <p:sldLayoutId id="2147483660" r:id="rId12"/>
     <p:sldLayoutId id="2147483661" r:id="rId13"/>
+    <p:sldLayoutId id="2147483662" r:id="rId14"/>
   </p:sldLayoutIdLst>
   <p:txStyles>
     <p:titleStyle>

--- a/ref.pptx
+++ b/ref.pptx
@@ -272,7 +272,7 @@
           <a:p>
             <a:fld id="{283A7829-2E26-4D96-B78C-4F14A9C51D3D}" type="datetimeFigureOut">
               <a:rPr kumimoji="1" lang="ja-JP" altLang="en-US" smtClean="0"/>
-              <a:t>2026/2/24</a:t>
+              <a:t>2026/2/25</a:t>
             </a:fld>
             <a:endParaRPr kumimoji="1" lang="ja-JP" altLang="en-US"/>
           </a:p>
@@ -280,7 +280,7 @@
       </p:sp>
       <p:sp>
         <p:nvSpPr>
-          <p:cNvPr id="5" name="フッター プレースホルダー 4">
+          <p:cNvPr id="5" name="footer">
             <a:extLst>
               <a:ext uri="{FF2B5EF4-FFF2-40B4-BE49-F238E27FC236}">
                 <a16:creationId xmlns:a16="http://schemas.microsoft.com/office/drawing/2014/main" id="{A46E135D-915D-B9EE-17F2-470449BBA11B}"/>
@@ -518,7 +518,7 @@
           <a:p>
             <a:fld id="{283A7829-2E26-4D96-B78C-4F14A9C51D3D}" type="datetimeFigureOut">
               <a:rPr kumimoji="1" lang="ja-JP" altLang="en-US" smtClean="0"/>
-              <a:t>2026/2/24</a:t>
+              <a:t>2026/2/25</a:t>
             </a:fld>
             <a:endParaRPr kumimoji="1" lang="ja-JP" altLang="en-US"/>
           </a:p>
@@ -526,7 +526,7 @@
       </p:sp>
       <p:sp>
         <p:nvSpPr>
-          <p:cNvPr id="5" name="フッター プレースホルダー 4">
+          <p:cNvPr id="5" name="footer">
             <a:extLst>
               <a:ext uri="{FF2B5EF4-FFF2-40B4-BE49-F238E27FC236}">
                 <a16:creationId xmlns:a16="http://schemas.microsoft.com/office/drawing/2014/main" id="{0F45209B-4B59-F398-C91D-CD2504CC4F3F}"/>
@@ -758,7 +758,7 @@
           <a:p>
             <a:fld id="{283A7829-2E26-4D96-B78C-4F14A9C51D3D}" type="datetimeFigureOut">
               <a:rPr kumimoji="1" lang="ja-JP" altLang="en-US" smtClean="0"/>
-              <a:t>2026/2/24</a:t>
+              <a:t>2026/2/25</a:t>
             </a:fld>
             <a:endParaRPr kumimoji="1" lang="ja-JP" altLang="en-US"/>
           </a:p>
@@ -766,7 +766,7 @@
       </p:sp>
       <p:sp>
         <p:nvSpPr>
-          <p:cNvPr id="5" name="フッター プレースホルダー 4">
+          <p:cNvPr id="5" name="footer">
             <a:extLst>
               <a:ext uri="{FF2B5EF4-FFF2-40B4-BE49-F238E27FC236}">
                 <a16:creationId xmlns:a16="http://schemas.microsoft.com/office/drawing/2014/main" id="{A0AA7E20-B80F-45F1-069B-3410205AF1E1}"/>
@@ -899,7 +899,7 @@
           <a:p>
             <a:fld id="{283A7829-2E26-4D96-B78C-4F14A9C51D3D}" type="datetimeFigureOut">
               <a:rPr kumimoji="1" lang="ja-JP" altLang="en-US" smtClean="0"/>
-              <a:t>2026/2/24</a:t>
+              <a:t>2026/2/25</a:t>
             </a:fld>
             <a:endParaRPr kumimoji="1" lang="ja-JP" altLang="en-US"/>
           </a:p>
@@ -907,7 +907,7 @@
       </p:sp>
       <p:sp>
         <p:nvSpPr>
-          <p:cNvPr id="4" name="フッター プレースホルダー 3">
+          <p:cNvPr id="4" name="footer">
             <a:extLst>
               <a:ext uri="{FF2B5EF4-FFF2-40B4-BE49-F238E27FC236}">
                 <a16:creationId xmlns:a16="http://schemas.microsoft.com/office/drawing/2014/main" id="{6910A737-1167-A23C-E687-2A76681BB87E}"/>
@@ -1748,7 +1748,7 @@
           <a:p>
             <a:fld id="{283A7829-2E26-4D96-B78C-4F14A9C51D3D}" type="datetimeFigureOut">
               <a:rPr kumimoji="1" lang="ja-JP" altLang="en-US" smtClean="0"/>
-              <a:t>2026/2/24</a:t>
+              <a:t>2026/2/25</a:t>
             </a:fld>
             <a:endParaRPr kumimoji="1" lang="ja-JP" altLang="en-US"/>
           </a:p>
@@ -1756,7 +1756,7 @@
       </p:sp>
       <p:sp>
         <p:nvSpPr>
-          <p:cNvPr id="4" name="フッター プレースホルダー 3">
+          <p:cNvPr id="4" name="footer">
             <a:extLst>
               <a:ext uri="{FF2B5EF4-FFF2-40B4-BE49-F238E27FC236}">
                 <a16:creationId xmlns:a16="http://schemas.microsoft.com/office/drawing/2014/main" id="{B80701BF-3A9D-C185-B4C1-BD3B29F9DFA7}"/>
@@ -2077,7 +2077,7 @@
           <a:p>
             <a:fld id="{283A7829-2E26-4D96-B78C-4F14A9C51D3D}" type="datetimeFigureOut">
               <a:rPr kumimoji="1" lang="ja-JP" altLang="en-US" smtClean="0"/>
-              <a:t>2026/2/24</a:t>
+              <a:t>2026/2/25</a:t>
             </a:fld>
             <a:endParaRPr kumimoji="1" lang="ja-JP" altLang="en-US"/>
           </a:p>
@@ -2085,7 +2085,7 @@
       </p:sp>
       <p:sp>
         <p:nvSpPr>
-          <p:cNvPr id="4" name="フッター プレースホルダー 3">
+          <p:cNvPr id="4" name="footer">
             <a:extLst>
               <a:ext uri="{FF2B5EF4-FFF2-40B4-BE49-F238E27FC236}">
                 <a16:creationId xmlns:a16="http://schemas.microsoft.com/office/drawing/2014/main" id="{1E51FDAD-EA77-FA43-3F9A-2017D3E0BD8F}"/>
@@ -2478,7 +2478,7 @@
           <a:p>
             <a:fld id="{283A7829-2E26-4D96-B78C-4F14A9C51D3D}" type="datetimeFigureOut">
               <a:rPr kumimoji="1" lang="ja-JP" altLang="en-US" smtClean="0"/>
-              <a:t>2026/2/24</a:t>
+              <a:t>2026/2/25</a:t>
             </a:fld>
             <a:endParaRPr kumimoji="1" lang="ja-JP" altLang="en-US"/>
           </a:p>
@@ -2486,7 +2486,7 @@
       </p:sp>
       <p:sp>
         <p:nvSpPr>
-          <p:cNvPr id="5" name="フッター プレースホルダー 4">
+          <p:cNvPr id="5" name="footer">
             <a:extLst>
               <a:ext uri="{FF2B5EF4-FFF2-40B4-BE49-F238E27FC236}">
                 <a16:creationId xmlns:a16="http://schemas.microsoft.com/office/drawing/2014/main" id="{A9ED7147-DCAD-3766-6C18-4EFA638DC161}"/>
@@ -2708,7 +2708,7 @@
           <a:p>
             <a:fld id="{283A7829-2E26-4D96-B78C-4F14A9C51D3D}" type="datetimeFigureOut">
               <a:rPr kumimoji="1" lang="ja-JP" altLang="en-US" smtClean="0"/>
-              <a:t>2026/2/24</a:t>
+              <a:t>2026/2/25</a:t>
             </a:fld>
             <a:endParaRPr kumimoji="1" lang="ja-JP" altLang="en-US"/>
           </a:p>
@@ -2716,7 +2716,7 @@
       </p:sp>
       <p:sp>
         <p:nvSpPr>
-          <p:cNvPr id="5" name="フッター プレースホルダー 4">
+          <p:cNvPr id="5" name="footer">
             <a:extLst>
               <a:ext uri="{FF2B5EF4-FFF2-40B4-BE49-F238E27FC236}">
                 <a16:creationId xmlns:a16="http://schemas.microsoft.com/office/drawing/2014/main" id="{35ECBC95-DABC-228D-245C-7D04D2C5D5A2}"/>
@@ -3037,7 +3037,7 @@
           <a:p>
             <a:fld id="{283A7829-2E26-4D96-B78C-4F14A9C51D3D}" type="datetimeFigureOut">
               <a:rPr kumimoji="1" lang="ja-JP" altLang="en-US" smtClean="0"/>
-              <a:t>2026/2/24</a:t>
+              <a:t>2026/2/25</a:t>
             </a:fld>
             <a:endParaRPr kumimoji="1" lang="ja-JP" altLang="en-US"/>
           </a:p>
@@ -3045,7 +3045,7 @@
       </p:sp>
       <p:sp>
         <p:nvSpPr>
-          <p:cNvPr id="6" name="フッター プレースホルダー 5">
+          <p:cNvPr id="6" name="footer">
             <a:extLst>
               <a:ext uri="{FF2B5EF4-FFF2-40B4-BE49-F238E27FC236}">
                 <a16:creationId xmlns:a16="http://schemas.microsoft.com/office/drawing/2014/main" id="{E9DAC96E-9589-08CC-B323-7E010E189058}"/>
@@ -3513,7 +3513,7 @@
           <a:p>
             <a:fld id="{283A7829-2E26-4D96-B78C-4F14A9C51D3D}" type="datetimeFigureOut">
               <a:rPr kumimoji="1" lang="ja-JP" altLang="en-US" smtClean="0"/>
-              <a:t>2026/2/24</a:t>
+              <a:t>2026/2/25</a:t>
             </a:fld>
             <a:endParaRPr kumimoji="1" lang="ja-JP" altLang="en-US"/>
           </a:p>
@@ -3521,7 +3521,7 @@
       </p:sp>
       <p:sp>
         <p:nvSpPr>
-          <p:cNvPr id="8" name="フッター プレースホルダー 7">
+          <p:cNvPr id="8" name="footer">
             <a:extLst>
               <a:ext uri="{FF2B5EF4-FFF2-40B4-BE49-F238E27FC236}">
                 <a16:creationId xmlns:a16="http://schemas.microsoft.com/office/drawing/2014/main" id="{DAD47E58-5C84-4DEB-BD88-05C33FE26719}"/>
@@ -3654,7 +3654,7 @@
           <a:p>
             <a:fld id="{283A7829-2E26-4D96-B78C-4F14A9C51D3D}" type="datetimeFigureOut">
               <a:rPr kumimoji="1" lang="ja-JP" altLang="en-US" smtClean="0"/>
-              <a:t>2026/2/24</a:t>
+              <a:t>2026/2/25</a:t>
             </a:fld>
             <a:endParaRPr kumimoji="1" lang="ja-JP" altLang="en-US"/>
           </a:p>
@@ -3662,7 +3662,7 @@
       </p:sp>
       <p:sp>
         <p:nvSpPr>
-          <p:cNvPr id="4" name="フッター プレースホルダー 3">
+          <p:cNvPr id="4" name="footer">
             <a:extLst>
               <a:ext uri="{FF2B5EF4-FFF2-40B4-BE49-F238E27FC236}">
                 <a16:creationId xmlns:a16="http://schemas.microsoft.com/office/drawing/2014/main" id="{65D42DA4-E79B-BD07-60FC-4B1000EF20E9}"/>
@@ -3767,7 +3767,7 @@
           <a:p>
             <a:fld id="{283A7829-2E26-4D96-B78C-4F14A9C51D3D}" type="datetimeFigureOut">
               <a:rPr kumimoji="1" lang="ja-JP" altLang="en-US" smtClean="0"/>
-              <a:t>2026/2/24</a:t>
+              <a:t>2026/2/25</a:t>
             </a:fld>
             <a:endParaRPr kumimoji="1" lang="ja-JP" altLang="en-US"/>
           </a:p>
@@ -3775,7 +3775,7 @@
       </p:sp>
       <p:sp>
         <p:nvSpPr>
-          <p:cNvPr id="3" name="フッター プレースホルダー 2">
+          <p:cNvPr id="3" name="footer">
             <a:extLst>
               <a:ext uri="{FF2B5EF4-FFF2-40B4-BE49-F238E27FC236}">
                 <a16:creationId xmlns:a16="http://schemas.microsoft.com/office/drawing/2014/main" id="{FB9FAEC6-248E-4008-68C6-F6F9DC8C55D2}"/>
@@ -4110,7 +4110,7 @@
           <a:p>
             <a:fld id="{283A7829-2E26-4D96-B78C-4F14A9C51D3D}" type="datetimeFigureOut">
               <a:rPr kumimoji="1" lang="ja-JP" altLang="en-US" smtClean="0"/>
-              <a:t>2026/2/24</a:t>
+              <a:t>2026/2/25</a:t>
             </a:fld>
             <a:endParaRPr kumimoji="1" lang="ja-JP" altLang="en-US"/>
           </a:p>
@@ -4118,7 +4118,7 @@
       </p:sp>
       <p:sp>
         <p:nvSpPr>
-          <p:cNvPr id="6" name="フッター プレースホルダー 5">
+          <p:cNvPr id="6" name="footer">
             <a:extLst>
               <a:ext uri="{FF2B5EF4-FFF2-40B4-BE49-F238E27FC236}">
                 <a16:creationId xmlns:a16="http://schemas.microsoft.com/office/drawing/2014/main" id="{FE0F954C-83AB-12EB-BAF7-B27E14594D84}"/>
@@ -4398,7 +4398,7 @@
           <a:p>
             <a:fld id="{283A7829-2E26-4D96-B78C-4F14A9C51D3D}" type="datetimeFigureOut">
               <a:rPr kumimoji="1" lang="ja-JP" altLang="en-US" smtClean="0"/>
-              <a:t>2026/2/24</a:t>
+              <a:t>2026/2/25</a:t>
             </a:fld>
             <a:endParaRPr kumimoji="1" lang="ja-JP" altLang="en-US"/>
           </a:p>
@@ -4406,7 +4406,7 @@
       </p:sp>
       <p:sp>
         <p:nvSpPr>
-          <p:cNvPr id="6" name="フッター プレースホルダー 5">
+          <p:cNvPr id="6" name="footer">
             <a:extLst>
               <a:ext uri="{FF2B5EF4-FFF2-40B4-BE49-F238E27FC236}">
                 <a16:creationId xmlns:a16="http://schemas.microsoft.com/office/drawing/2014/main" id="{EA04A9E0-36E3-719A-E0F0-C563A6D38D61}"/>
@@ -4671,7 +4671,7 @@
           <a:p>
             <a:fld id="{283A7829-2E26-4D96-B78C-4F14A9C51D3D}" type="datetimeFigureOut">
               <a:rPr kumimoji="1" lang="ja-JP" altLang="en-US" smtClean="0"/>
-              <a:t>2026/2/24</a:t>
+              <a:t>2026/2/25</a:t>
             </a:fld>
             <a:endParaRPr kumimoji="1" lang="ja-JP" altLang="en-US"/>
           </a:p>
@@ -4679,7 +4679,7 @@
       </p:sp>
       <p:sp>
         <p:nvSpPr>
-          <p:cNvPr id="5" name="フッター プレースホルダー 4">
+          <p:cNvPr id="5" name="footer">
             <a:extLst>
               <a:ext uri="{FF2B5EF4-FFF2-40B4-BE49-F238E27FC236}">
                 <a16:creationId xmlns:a16="http://schemas.microsoft.com/office/drawing/2014/main" id="{73A133D0-3BC0-3546-43E5-547E93AC02FB}"/>
